--- a/React Intro.pptx
+++ b/React Intro.pptx
@@ -15543,7 +15543,7 @@
                   <a:srgbClr val="002060"/>
                 </a:solidFill>
               </a:rPr>
-              <a:t>, city, country, id }}) =&gt; {</a:t>
+              <a:t>, id }}) =&gt; {</a:t>
             </a:r>
           </a:p>
           <a:p>
@@ -18339,6 +18339,15 @@
 </file>
 
 <file path=customXml/item1.xml><?xml version="1.0" encoding="utf-8"?>
+<?mso-contentType ?>
+<FormTemplates xmlns="http://schemas.microsoft.com/sharepoint/v3/contenttype/forms">
+  <Display>DocumentLibraryForm</Display>
+  <Edit>DocumentLibraryForm</Edit>
+  <New>DocumentLibraryForm</New>
+</FormTemplates>
+</file>
+
+<file path=customXml/item2.xml><?xml version="1.0" encoding="utf-8"?>
 <ct:contentTypeSchema xmlns:ct="http://schemas.microsoft.com/office/2006/metadata/contentType" xmlns:ma="http://schemas.microsoft.com/office/2006/metadata/properties/metaAttributes" ct:_="" ma:_="" ma:contentTypeName="Документ" ma:contentTypeID="0x0101004195FC54A15F344D83577B1CDDD67A5D" ma:contentTypeVersion="9" ma:contentTypeDescription="Создание документа." ma:contentTypeScope="" ma:versionID="961ec8db58076c7d3e9f84b9cd82fd45">
   <xsd:schema xmlns:xsd="http://www.w3.org/2001/XMLSchema" xmlns:xs="http://www.w3.org/2001/XMLSchema" xmlns:p="http://schemas.microsoft.com/office/2006/metadata/properties" xmlns:ns2="341e6018-ac0a-4dfb-8409-db9e0d25502e" xmlns:ns3="835f28f2-30f1-4728-84d2-86d96e143488" targetNamespace="http://schemas.microsoft.com/office/2006/metadata/properties" ma:root="true" ma:fieldsID="bd9f0c80ada20ee560e77d723f3ef44e" ns2:_="" ns3:_="">
     <xsd:import namespace="341e6018-ac0a-4dfb-8409-db9e0d25502e"/>
@@ -18537,15 +18546,6 @@
 </ct:contentTypeSchema>
 </file>
 
-<file path=customXml/item2.xml><?xml version="1.0" encoding="utf-8"?>
-<?mso-contentType ?>
-<FormTemplates xmlns="http://schemas.microsoft.com/sharepoint/v3/contenttype/forms">
-  <Display>DocumentLibraryForm</Display>
-  <Edit>DocumentLibraryForm</Edit>
-  <New>DocumentLibraryForm</New>
-</FormTemplates>
-</file>
-
 <file path=customXml/item3.xml><?xml version="1.0" encoding="utf-8"?>
 <p:properties xmlns:p="http://schemas.microsoft.com/office/2006/metadata/properties" xmlns:xsi="http://www.w3.org/2001/XMLSchema-instance" xmlns:pc="http://schemas.microsoft.com/office/infopath/2007/PartnerControls">
   <documentManagement>
@@ -18555,6 +18555,14 @@
 </file>
 
 <file path=customXml/itemProps1.xml><?xml version="1.0" encoding="utf-8"?>
+<ds:datastoreItem xmlns:ds="http://schemas.openxmlformats.org/officeDocument/2006/customXml" ds:itemID="{296B3B9E-03D8-4766-BF45-6129617CF026}">
+  <ds:schemaRefs>
+    <ds:schemaRef ds:uri="http://schemas.microsoft.com/sharepoint/v3/contenttype/forms"/>
+  </ds:schemaRefs>
+</ds:datastoreItem>
+</file>
+
+<file path=customXml/itemProps2.xml><?xml version="1.0" encoding="utf-8"?>
 <ds:datastoreItem xmlns:ds="http://schemas.openxmlformats.org/officeDocument/2006/customXml" ds:itemID="{CAFDAB34-20E1-438F-BCB2-ECDA5496F36D}">
   <ds:schemaRefs>
     <ds:schemaRef ds:uri="http://schemas.microsoft.com/office/2006/metadata/contentType"/>
@@ -18569,14 +18577,6 @@
     <ds:schemaRef ds:uri="http://purl.org/dc/elements/1.1/"/>
     <ds:schemaRef ds:uri="http://purl.org/dc/terms/"/>
     <ds:schemaRef ds:uri="http://schemas.microsoft.com/internal/obd"/>
-  </ds:schemaRefs>
-</ds:datastoreItem>
-</file>
-
-<file path=customXml/itemProps2.xml><?xml version="1.0" encoding="utf-8"?>
-<ds:datastoreItem xmlns:ds="http://schemas.openxmlformats.org/officeDocument/2006/customXml" ds:itemID="{296B3B9E-03D8-4766-BF45-6129617CF026}">
-  <ds:schemaRefs>
-    <ds:schemaRef ds:uri="http://schemas.microsoft.com/sharepoint/v3/contenttype/forms"/>
   </ds:schemaRefs>
 </ds:datastoreItem>
 </file>

--- a/React Intro.pptx
+++ b/React Intro.pptx
@@ -15511,15 +15511,15 @@
                   <a:srgbClr val="002060"/>
                 </a:solidFill>
               </a:rPr>
-              <a:t>const Attraction = ({attraction: { </a:t>
-            </a:r>
-            <a:r>
-              <a:rPr lang="en-US" dirty="0" err="1">
+              <a:t>const Attraction = ({attraction: </a:t>
+            </a:r>
+            <a:r>
+              <a:rPr lang="en-US">
                 <a:solidFill>
                   <a:srgbClr val="002060"/>
                 </a:solidFill>
               </a:rPr>
-              <a:t>adress</a:t>
+              <a:t>{ name, adress</a:t>
             </a:r>
             <a:r>
               <a:rPr lang="en-US" dirty="0">
@@ -18339,15 +18339,6 @@
 </file>
 
 <file path=customXml/item1.xml><?xml version="1.0" encoding="utf-8"?>
-<?mso-contentType ?>
-<FormTemplates xmlns="http://schemas.microsoft.com/sharepoint/v3/contenttype/forms">
-  <Display>DocumentLibraryForm</Display>
-  <Edit>DocumentLibraryForm</Edit>
-  <New>DocumentLibraryForm</New>
-</FormTemplates>
-</file>
-
-<file path=customXml/item2.xml><?xml version="1.0" encoding="utf-8"?>
 <ct:contentTypeSchema xmlns:ct="http://schemas.microsoft.com/office/2006/metadata/contentType" xmlns:ma="http://schemas.microsoft.com/office/2006/metadata/properties/metaAttributes" ct:_="" ma:_="" ma:contentTypeName="Документ" ma:contentTypeID="0x0101004195FC54A15F344D83577B1CDDD67A5D" ma:contentTypeVersion="9" ma:contentTypeDescription="Создание документа." ma:contentTypeScope="" ma:versionID="961ec8db58076c7d3e9f84b9cd82fd45">
   <xsd:schema xmlns:xsd="http://www.w3.org/2001/XMLSchema" xmlns:xs="http://www.w3.org/2001/XMLSchema" xmlns:p="http://schemas.microsoft.com/office/2006/metadata/properties" xmlns:ns2="341e6018-ac0a-4dfb-8409-db9e0d25502e" xmlns:ns3="835f28f2-30f1-4728-84d2-86d96e143488" targetNamespace="http://schemas.microsoft.com/office/2006/metadata/properties" ma:root="true" ma:fieldsID="bd9f0c80ada20ee560e77d723f3ef44e" ns2:_="" ns3:_="">
     <xsd:import namespace="341e6018-ac0a-4dfb-8409-db9e0d25502e"/>
@@ -18546,6 +18537,15 @@
 </ct:contentTypeSchema>
 </file>
 
+<file path=customXml/item2.xml><?xml version="1.0" encoding="utf-8"?>
+<?mso-contentType ?>
+<FormTemplates xmlns="http://schemas.microsoft.com/sharepoint/v3/contenttype/forms">
+  <Display>DocumentLibraryForm</Display>
+  <Edit>DocumentLibraryForm</Edit>
+  <New>DocumentLibraryForm</New>
+</FormTemplates>
+</file>
+
 <file path=customXml/item3.xml><?xml version="1.0" encoding="utf-8"?>
 <p:properties xmlns:p="http://schemas.microsoft.com/office/2006/metadata/properties" xmlns:xsi="http://www.w3.org/2001/XMLSchema-instance" xmlns:pc="http://schemas.microsoft.com/office/infopath/2007/PartnerControls">
   <documentManagement>
@@ -18555,14 +18555,6 @@
 </file>
 
 <file path=customXml/itemProps1.xml><?xml version="1.0" encoding="utf-8"?>
-<ds:datastoreItem xmlns:ds="http://schemas.openxmlformats.org/officeDocument/2006/customXml" ds:itemID="{296B3B9E-03D8-4766-BF45-6129617CF026}">
-  <ds:schemaRefs>
-    <ds:schemaRef ds:uri="http://schemas.microsoft.com/sharepoint/v3/contenttype/forms"/>
-  </ds:schemaRefs>
-</ds:datastoreItem>
-</file>
-
-<file path=customXml/itemProps2.xml><?xml version="1.0" encoding="utf-8"?>
 <ds:datastoreItem xmlns:ds="http://schemas.openxmlformats.org/officeDocument/2006/customXml" ds:itemID="{CAFDAB34-20E1-438F-BCB2-ECDA5496F36D}">
   <ds:schemaRefs>
     <ds:schemaRef ds:uri="http://schemas.microsoft.com/office/2006/metadata/contentType"/>
@@ -18577,6 +18569,14 @@
     <ds:schemaRef ds:uri="http://purl.org/dc/elements/1.1/"/>
     <ds:schemaRef ds:uri="http://purl.org/dc/terms/"/>
     <ds:schemaRef ds:uri="http://schemas.microsoft.com/internal/obd"/>
+  </ds:schemaRefs>
+</ds:datastoreItem>
+</file>
+
+<file path=customXml/itemProps2.xml><?xml version="1.0" encoding="utf-8"?>
+<ds:datastoreItem xmlns:ds="http://schemas.openxmlformats.org/officeDocument/2006/customXml" ds:itemID="{296B3B9E-03D8-4766-BF45-6129617CF026}">
+  <ds:schemaRefs>
+    <ds:schemaRef ds:uri="http://schemas.microsoft.com/sharepoint/v3/contenttype/forms"/>
   </ds:schemaRefs>
 </ds:datastoreItem>
 </file>
